--- a/presentation/Data Normalization.pptx
+++ b/presentation/Data Normalization.pptx
@@ -5,7 +5,7 @@
     <p:sldMasterId id="2147484154" r:id="rId1"/>
   </p:sldMasterIdLst>
   <p:notesMasterIdLst>
-    <p:notesMasterId r:id="rId30"/>
+    <p:notesMasterId r:id="rId31"/>
   </p:notesMasterIdLst>
   <p:sldIdLst>
     <p:sldId id="347" r:id="rId2"/>
@@ -27,15 +27,16 @@
     <p:sldId id="362" r:id="rId18"/>
     <p:sldId id="363" r:id="rId19"/>
     <p:sldId id="364" r:id="rId20"/>
-    <p:sldId id="365" r:id="rId21"/>
-    <p:sldId id="368" r:id="rId22"/>
-    <p:sldId id="366" r:id="rId23"/>
-    <p:sldId id="367" r:id="rId24"/>
-    <p:sldId id="369" r:id="rId25"/>
-    <p:sldId id="370" r:id="rId26"/>
-    <p:sldId id="371" r:id="rId27"/>
-    <p:sldId id="372" r:id="rId28"/>
-    <p:sldId id="373" r:id="rId29"/>
+    <p:sldId id="374" r:id="rId21"/>
+    <p:sldId id="365" r:id="rId22"/>
+    <p:sldId id="368" r:id="rId23"/>
+    <p:sldId id="366" r:id="rId24"/>
+    <p:sldId id="367" r:id="rId25"/>
+    <p:sldId id="369" r:id="rId26"/>
+    <p:sldId id="370" r:id="rId27"/>
+    <p:sldId id="371" r:id="rId28"/>
+    <p:sldId id="372" r:id="rId29"/>
+    <p:sldId id="373" r:id="rId30"/>
   </p:sldIdLst>
   <p:sldSz cx="12192000" cy="6858000"/>
   <p:notesSz cx="6858000" cy="9144000"/>
@@ -224,7 +225,7 @@
           <a:p>
             <a:fld id="{64AE9F07-5FA6-BA49-B825-7EA04045DFAA}" type="datetimeFigureOut">
               <a:rPr lang="en-US" smtClean="0"/>
-              <a:t>11/12/25</a:t>
+              <a:t>12/1/25</a:t>
             </a:fld>
             <a:endParaRPr lang="en-US"/>
           </a:p>
@@ -772,6 +773,125 @@
     <p:extLst>
       <p:ext uri="{BB962C8B-B14F-4D97-AF65-F5344CB8AC3E}">
         <p14:creationId xmlns:p14="http://schemas.microsoft.com/office/powerpoint/2010/main" val="3466683596"/>
+      </p:ext>
+    </p:extLst>
+  </p:cSld>
+  <p:clrMapOvr>
+    <a:masterClrMapping/>
+  </p:clrMapOvr>
+</p:notes>
+</file>
+
+<file path=ppt/notesSlides/notesSlide4.xml><?xml version="1.0" encoding="utf-8"?>
+<p:notes xmlns:a="http://schemas.openxmlformats.org/drawingml/2006/main" xmlns:r="http://schemas.openxmlformats.org/officeDocument/2006/relationships" xmlns:p="http://schemas.openxmlformats.org/presentationml/2006/main">
+  <p:cSld>
+    <p:spTree>
+      <p:nvGrpSpPr>
+        <p:cNvPr id="1" name="">
+          <a:extLst>
+            <a:ext uri="{FF2B5EF4-FFF2-40B4-BE49-F238E27FC236}">
+              <a16:creationId xmlns:a16="http://schemas.microsoft.com/office/drawing/2014/main" id="{591160A0-6EA8-5914-4530-BF3C4B704B93}"/>
+            </a:ext>
+          </a:extLst>
+        </p:cNvPr>
+        <p:cNvGrpSpPr/>
+        <p:nvPr/>
+      </p:nvGrpSpPr>
+      <p:grpSpPr>
+        <a:xfrm>
+          <a:off x="0" y="0"/>
+          <a:ext cx="0" cy="0"/>
+          <a:chOff x="0" y="0"/>
+          <a:chExt cx="0" cy="0"/>
+        </a:xfrm>
+      </p:grpSpPr>
+      <p:sp>
+        <p:nvSpPr>
+          <p:cNvPr id="2" name="Slide Image Placeholder 1">
+            <a:extLst>
+              <a:ext uri="{FF2B5EF4-FFF2-40B4-BE49-F238E27FC236}">
+                <a16:creationId xmlns:a16="http://schemas.microsoft.com/office/drawing/2014/main" id="{18D5AD1D-3A06-BD19-0C61-DF44EE6BC00C}"/>
+              </a:ext>
+            </a:extLst>
+          </p:cNvPr>
+          <p:cNvSpPr>
+            <a:spLocks noGrp="1" noRot="1" noChangeAspect="1"/>
+          </p:cNvSpPr>
+          <p:nvPr>
+            <p:ph type="sldImg"/>
+          </p:nvPr>
+        </p:nvSpPr>
+        <p:spPr/>
+      </p:sp>
+      <p:sp>
+        <p:nvSpPr>
+          <p:cNvPr id="3" name="Notes Placeholder 2">
+            <a:extLst>
+              <a:ext uri="{FF2B5EF4-FFF2-40B4-BE49-F238E27FC236}">
+                <a16:creationId xmlns:a16="http://schemas.microsoft.com/office/drawing/2014/main" id="{E8C62ADC-5CA4-8C2D-3766-DE6D570B9284}"/>
+              </a:ext>
+            </a:extLst>
+          </p:cNvPr>
+          <p:cNvSpPr>
+            <a:spLocks noGrp="1"/>
+          </p:cNvSpPr>
+          <p:nvPr>
+            <p:ph type="body" idx="1"/>
+          </p:nvPr>
+        </p:nvSpPr>
+        <p:spPr/>
+        <p:txBody>
+          <a:bodyPr/>
+          <a:lstStyle/>
+          <a:p>
+            <a:r>
+              <a:rPr lang="en-US" dirty="0"/>
+              <a:t>What is </a:t>
+            </a:r>
+            <a:r>
+              <a:rPr lang="en-US" dirty="0" err="1"/>
+              <a:t>student_course_view</a:t>
+            </a:r>
+            <a:r>
+              <a:rPr lang="en-US" dirty="0"/>
+              <a:t>?</a:t>
+            </a:r>
+          </a:p>
+        </p:txBody>
+      </p:sp>
+      <p:sp>
+        <p:nvSpPr>
+          <p:cNvPr id="4" name="Slide Number Placeholder 3">
+            <a:extLst>
+              <a:ext uri="{FF2B5EF4-FFF2-40B4-BE49-F238E27FC236}">
+                <a16:creationId xmlns:a16="http://schemas.microsoft.com/office/drawing/2014/main" id="{4C23414F-5235-B611-96DA-72FB4334EF8B}"/>
+              </a:ext>
+            </a:extLst>
+          </p:cNvPr>
+          <p:cNvSpPr>
+            <a:spLocks noGrp="1"/>
+          </p:cNvSpPr>
+          <p:nvPr>
+            <p:ph type="sldNum" sz="quarter" idx="5"/>
+          </p:nvPr>
+        </p:nvSpPr>
+        <p:spPr/>
+        <p:txBody>
+          <a:bodyPr/>
+          <a:lstStyle/>
+          <a:p>
+            <a:fld id="{6C63DDBB-588D-E349-89FB-E97E419441EA}" type="slidenum">
+              <a:rPr lang="en-US" smtClean="0"/>
+              <a:t>20</a:t>
+            </a:fld>
+            <a:endParaRPr lang="en-US"/>
+          </a:p>
+        </p:txBody>
+      </p:sp>
+    </p:spTree>
+    <p:extLst>
+      <p:ext uri="{BB962C8B-B14F-4D97-AF65-F5344CB8AC3E}">
+        <p14:creationId xmlns:p14="http://schemas.microsoft.com/office/powerpoint/2010/main" val="2941154812"/>
       </p:ext>
     </p:extLst>
   </p:cSld>
@@ -1119,7 +1239,7 @@
           <a:p>
             <a:fld id="{78ABE3C1-DBE1-495D-B57B-2849774B866A}" type="datetimeFigureOut">
               <a:rPr lang="en-US" smtClean="0"/>
-              <a:t>11/12/25</a:t>
+              <a:t>12/1/25</a:t>
             </a:fld>
             <a:endParaRPr lang="en-US" dirty="0"/>
           </a:p>
@@ -1443,7 +1563,7 @@
           <a:p>
             <a:fld id="{9D6E9DEC-419B-4CC5-A080-3B06BD5A8291}" type="datetimeFigureOut">
               <a:rPr lang="en-US" smtClean="0"/>
-              <a:t>11/12/25</a:t>
+              <a:t>12/1/25</a:t>
             </a:fld>
             <a:endParaRPr lang="en-US" dirty="0"/>
           </a:p>
@@ -1693,7 +1813,7 @@
           <a:p>
             <a:fld id="{9D6E9DEC-419B-4CC5-A080-3B06BD5A8291}" type="datetimeFigureOut">
               <a:rPr lang="en-US" smtClean="0"/>
-              <a:t>11/12/25</a:t>
+              <a:t>12/1/25</a:t>
             </a:fld>
             <a:endParaRPr lang="en-US" dirty="0"/>
           </a:p>
@@ -2034,7 +2154,7 @@
           <a:p>
             <a:fld id="{9D6E9DEC-419B-4CC5-A080-3B06BD5A8291}" type="datetimeFigureOut">
               <a:rPr lang="en-US" smtClean="0"/>
-              <a:t>11/12/25</a:t>
+              <a:t>12/1/25</a:t>
             </a:fld>
             <a:endParaRPr lang="en-US" dirty="0"/>
           </a:p>
@@ -2383,7 +2503,7 @@
           <a:p>
             <a:fld id="{9D6E9DEC-419B-4CC5-A080-3B06BD5A8291}" type="datetimeFigureOut">
               <a:rPr lang="en-US" smtClean="0"/>
-              <a:t>11/12/25</a:t>
+              <a:t>12/1/25</a:t>
             </a:fld>
             <a:endParaRPr lang="en-US" dirty="0"/>
           </a:p>
@@ -2759,7 +2879,7 @@
           <a:p>
             <a:fld id="{9D6E9DEC-419B-4CC5-A080-3B06BD5A8291}" type="datetimeFigureOut">
               <a:rPr lang="en-US" smtClean="0"/>
-              <a:t>11/12/25</a:t>
+              <a:t>12/1/25</a:t>
             </a:fld>
             <a:endParaRPr lang="en-US" dirty="0"/>
           </a:p>
@@ -3231,7 +3351,7 @@
           <a:p>
             <a:fld id="{9D6E9DEC-419B-4CC5-A080-3B06BD5A8291}" type="datetimeFigureOut">
               <a:rPr lang="en-US" smtClean="0"/>
-              <a:t>11/12/25</a:t>
+              <a:t>12/1/25</a:t>
             </a:fld>
             <a:endParaRPr lang="en-US" dirty="0"/>
           </a:p>
@@ -3438,7 +3558,7 @@
           <a:p>
             <a:fld id="{9D6E9DEC-419B-4CC5-A080-3B06BD5A8291}" type="datetimeFigureOut">
               <a:rPr lang="en-US" smtClean="0"/>
-              <a:t>11/12/25</a:t>
+              <a:t>12/1/25</a:t>
             </a:fld>
             <a:endParaRPr lang="en-US" dirty="0"/>
           </a:p>
@@ -3651,7 +3771,7 @@
           <a:p>
             <a:fld id="{9D6E9DEC-419B-4CC5-A080-3B06BD5A8291}" type="datetimeFigureOut">
               <a:rPr lang="en-US" smtClean="0"/>
-              <a:t>11/12/25</a:t>
+              <a:t>12/1/25</a:t>
             </a:fld>
             <a:endParaRPr lang="en-US" dirty="0"/>
           </a:p>
@@ -3885,7 +4005,7 @@
           <a:p>
             <a:fld id="{9D6E9DEC-419B-4CC5-A080-3B06BD5A8291}" type="datetimeFigureOut">
               <a:rPr lang="en-US" smtClean="0"/>
-              <a:t>11/12/25</a:t>
+              <a:t>12/1/25</a:t>
             </a:fld>
             <a:endParaRPr lang="en-US" dirty="0"/>
           </a:p>
@@ -4135,7 +4255,7 @@
           <a:p>
             <a:fld id="{30578ACC-22D6-47C1-A373-4FD133E34F3C}" type="datetimeFigureOut">
               <a:rPr lang="en-US" smtClean="0"/>
-              <a:t>11/12/25</a:t>
+              <a:t>12/1/25</a:t>
             </a:fld>
             <a:endParaRPr lang="en-US" dirty="0"/>
           </a:p>
@@ -4433,7 +4553,7 @@
           <a:p>
             <a:fld id="{9D6E9DEC-419B-4CC5-A080-3B06BD5A8291}" type="datetimeFigureOut">
               <a:rPr lang="en-US" smtClean="0"/>
-              <a:t>11/12/25</a:t>
+              <a:t>12/1/25</a:t>
             </a:fld>
             <a:endParaRPr lang="en-US" dirty="0"/>
           </a:p>
@@ -4834,7 +4954,7 @@
           <a:p>
             <a:fld id="{9D6E9DEC-419B-4CC5-A080-3B06BD5A8291}" type="datetimeFigureOut">
               <a:rPr lang="en-US" smtClean="0"/>
-              <a:t>11/12/25</a:t>
+              <a:t>12/1/25</a:t>
             </a:fld>
             <a:endParaRPr lang="en-US" dirty="0"/>
           </a:p>
@@ -4990,7 +5110,7 @@
           <a:p>
             <a:fld id="{CE99F462-093F-4566-844B-4C71F2739DA5}" type="datetimeFigureOut">
               <a:rPr lang="en-US" smtClean="0"/>
-              <a:t>11/12/25</a:t>
+              <a:t>12/1/25</a:t>
             </a:fld>
             <a:endParaRPr lang="en-US" dirty="0"/>
           </a:p>
@@ -5116,7 +5236,7 @@
           <a:p>
             <a:fld id="{3D24A7AC-904D-4781-85BA-7D10C17ED021}" type="datetimeFigureOut">
               <a:rPr lang="en-US" smtClean="0"/>
-              <a:t>11/12/25</a:t>
+              <a:t>12/1/25</a:t>
             </a:fld>
             <a:endParaRPr lang="en-US" dirty="0"/>
           </a:p>
@@ -5371,7 +5491,7 @@
           <a:p>
             <a:fld id="{9D6E9DEC-419B-4CC5-A080-3B06BD5A8291}" type="datetimeFigureOut">
               <a:rPr lang="en-US" smtClean="0"/>
-              <a:t>11/12/25</a:t>
+              <a:t>12/1/25</a:t>
             </a:fld>
             <a:endParaRPr lang="en-US" dirty="0"/>
           </a:p>
@@ -5693,7 +5813,7 @@
           <a:p>
             <a:fld id="{363EFA5E-FA76-400D-B3DC-F0BA90E6D107}" type="datetimeFigureOut">
               <a:rPr lang="en-US" smtClean="0"/>
-              <a:t>11/12/25</a:t>
+              <a:t>12/1/25</a:t>
             </a:fld>
             <a:endParaRPr lang="en-US" dirty="0"/>
           </a:p>
@@ -6051,7 +6171,7 @@
           <a:p>
             <a:fld id="{9D6E9DEC-419B-4CC5-A080-3B06BD5A8291}" type="datetimeFigureOut">
               <a:rPr lang="en-US" smtClean="0"/>
-              <a:t>11/12/25</a:t>
+              <a:t>12/1/25</a:t>
             </a:fld>
             <a:endParaRPr lang="en-US" dirty="0"/>
           </a:p>
@@ -8994,6 +9114,476 @@
   <p:cSld>
     <p:spTree>
       <p:nvGrpSpPr>
+        <p:cNvPr id="1" name="">
+          <a:extLst>
+            <a:ext uri="{FF2B5EF4-FFF2-40B4-BE49-F238E27FC236}">
+              <a16:creationId xmlns:a16="http://schemas.microsoft.com/office/drawing/2014/main" id="{D6CB5018-A5ED-30F3-4C43-27BB6B2CC008}"/>
+            </a:ext>
+          </a:extLst>
+        </p:cNvPr>
+        <p:cNvGrpSpPr/>
+        <p:nvPr/>
+      </p:nvGrpSpPr>
+      <p:grpSpPr>
+        <a:xfrm>
+          <a:off x="0" y="0"/>
+          <a:ext cx="0" cy="0"/>
+          <a:chOff x="0" y="0"/>
+          <a:chExt cx="0" cy="0"/>
+        </a:xfrm>
+      </p:grpSpPr>
+      <p:sp>
+        <p:nvSpPr>
+          <p:cNvPr id="2" name="Title 1">
+            <a:extLst>
+              <a:ext uri="{FF2B5EF4-FFF2-40B4-BE49-F238E27FC236}">
+                <a16:creationId xmlns:a16="http://schemas.microsoft.com/office/drawing/2014/main" id="{E5BC027B-8E7A-F533-E234-37F484DF6BC1}"/>
+              </a:ext>
+            </a:extLst>
+          </p:cNvPr>
+          <p:cNvSpPr>
+            <a:spLocks noGrp="1"/>
+          </p:cNvSpPr>
+          <p:nvPr>
+            <p:ph type="title"/>
+          </p:nvPr>
+        </p:nvSpPr>
+        <p:spPr/>
+        <p:txBody>
+          <a:bodyPr>
+            <a:normAutofit fontScale="90000"/>
+          </a:bodyPr>
+          <a:lstStyle/>
+          <a:p>
+            <a:r>
+              <a:rPr lang="en-US" b="1" dirty="0"/>
+              <a:t>When Normalization Hurts Performance</a:t>
+            </a:r>
+            <a:endParaRPr lang="en-US" dirty="0"/>
+          </a:p>
+        </p:txBody>
+      </p:sp>
+      <p:sp>
+        <p:nvSpPr>
+          <p:cNvPr id="3" name="Content Placeholder 2">
+            <a:extLst>
+              <a:ext uri="{FF2B5EF4-FFF2-40B4-BE49-F238E27FC236}">
+                <a16:creationId xmlns:a16="http://schemas.microsoft.com/office/drawing/2014/main" id="{ED402A33-41BA-51FD-9D14-ED0B66DA082A}"/>
+              </a:ext>
+            </a:extLst>
+          </p:cNvPr>
+          <p:cNvSpPr>
+            <a:spLocks noGrp="1"/>
+          </p:cNvSpPr>
+          <p:nvPr>
+            <p:ph idx="1"/>
+          </p:nvPr>
+        </p:nvSpPr>
+        <p:spPr>
+          <a:xfrm>
+            <a:off x="1295401" y="2556932"/>
+            <a:ext cx="4530046" cy="3318936"/>
+          </a:xfrm>
+        </p:spPr>
+        <p:txBody>
+          <a:bodyPr>
+            <a:normAutofit fontScale="40000" lnSpcReduction="20000"/>
+          </a:bodyPr>
+          <a:lstStyle/>
+          <a:p>
+            <a:pPr latinLnBrk="1">
+              <a:buFont typeface="Wingdings" pitchFamily="2" charset="2"/>
+              <a:buChar char="n"/>
+            </a:pPr>
+            <a:r>
+              <a:rPr lang="en-US" i="1" dirty="0"/>
+              <a:t>Normalized (3NF):</a:t>
+            </a:r>
+          </a:p>
+          <a:p>
+            <a:pPr latinLnBrk="1">
+              <a:buFont typeface="Wingdings" pitchFamily="2" charset="2"/>
+              <a:buChar char="n"/>
+            </a:pPr>
+            <a:r>
+              <a:rPr lang="en-US" dirty="0"/>
+              <a:t>Create view </a:t>
+            </a:r>
+            <a:r>
+              <a:rPr lang="en-US" dirty="0" err="1"/>
+              <a:t>student_course_view</a:t>
+            </a:r>
+            <a:r>
+              <a:rPr lang="en-US" dirty="0"/>
+              <a:t> as (</a:t>
+            </a:r>
+          </a:p>
+          <a:p>
+            <a:pPr marL="0" indent="0" latinLnBrk="1">
+              <a:buNone/>
+            </a:pPr>
+            <a:r>
+              <a:rPr lang="en-US" dirty="0"/>
+              <a:t>SELECT </a:t>
+            </a:r>
+          </a:p>
+          <a:p>
+            <a:pPr marL="0" indent="0" latinLnBrk="1">
+              <a:buNone/>
+            </a:pPr>
+            <a:r>
+              <a:rPr lang="en-US" dirty="0"/>
+              <a:t>    </a:t>
+            </a:r>
+            <a:r>
+              <a:rPr lang="en-US" dirty="0" err="1"/>
+              <a:t>s.name</a:t>
+            </a:r>
+            <a:r>
+              <a:rPr lang="en-US" dirty="0"/>
+              <a:t>,</a:t>
+            </a:r>
+          </a:p>
+          <a:p>
+            <a:pPr marL="0" indent="0" latinLnBrk="1">
+              <a:buNone/>
+            </a:pPr>
+            <a:r>
+              <a:rPr lang="en-US" dirty="0"/>
+              <a:t>    </a:t>
+            </a:r>
+            <a:r>
+              <a:rPr lang="en-US" dirty="0" err="1"/>
+              <a:t>c.course_name</a:t>
+            </a:r>
+            <a:r>
+              <a:rPr lang="en-US" dirty="0"/>
+              <a:t>,</a:t>
+            </a:r>
+          </a:p>
+          <a:p>
+            <a:pPr marL="0" indent="0" latinLnBrk="1">
+              <a:buNone/>
+            </a:pPr>
+            <a:r>
+              <a:rPr lang="en-US" dirty="0"/>
+              <a:t>    </a:t>
+            </a:r>
+            <a:r>
+              <a:rPr lang="en-US" dirty="0" err="1"/>
+              <a:t>i.instructor_name</a:t>
+            </a:r>
+            <a:r>
+              <a:rPr lang="en-US" dirty="0"/>
+              <a:t>,</a:t>
+            </a:r>
+          </a:p>
+          <a:p>
+            <a:pPr marL="0" indent="0" latinLnBrk="1">
+              <a:buNone/>
+            </a:pPr>
+            <a:r>
+              <a:rPr lang="en-US" dirty="0"/>
+              <a:t>    </a:t>
+            </a:r>
+            <a:r>
+              <a:rPr lang="en-US" dirty="0" err="1"/>
+              <a:t>d.dept_name</a:t>
+            </a:r>
+            <a:endParaRPr lang="en-US" dirty="0"/>
+          </a:p>
+          <a:p>
+            <a:pPr marL="0" indent="0" latinLnBrk="1">
+              <a:buNone/>
+            </a:pPr>
+            <a:r>
+              <a:rPr lang="en-US" dirty="0"/>
+              <a:t>FROM students s</a:t>
+            </a:r>
+          </a:p>
+          <a:p>
+            <a:pPr marL="0" indent="0" latinLnBrk="1">
+              <a:buNone/>
+            </a:pPr>
+            <a:r>
+              <a:rPr lang="en-US" dirty="0"/>
+              <a:t>JOIN enrollments e ON </a:t>
+            </a:r>
+            <a:r>
+              <a:rPr lang="en-US" dirty="0" err="1"/>
+              <a:t>s.student_id</a:t>
+            </a:r>
+            <a:r>
+              <a:rPr lang="en-US" dirty="0"/>
+              <a:t> = </a:t>
+            </a:r>
+            <a:r>
+              <a:rPr lang="en-US" dirty="0" err="1"/>
+              <a:t>e.student_id</a:t>
+            </a:r>
+            <a:endParaRPr lang="en-US" dirty="0"/>
+          </a:p>
+          <a:p>
+            <a:pPr marL="0" indent="0" latinLnBrk="1">
+              <a:buNone/>
+            </a:pPr>
+            <a:r>
+              <a:rPr lang="en-US" dirty="0"/>
+              <a:t>JOIN courses c ON </a:t>
+            </a:r>
+            <a:r>
+              <a:rPr lang="en-US" dirty="0" err="1"/>
+              <a:t>e.course_id</a:t>
+            </a:r>
+            <a:r>
+              <a:rPr lang="en-US" dirty="0"/>
+              <a:t> = </a:t>
+            </a:r>
+            <a:r>
+              <a:rPr lang="en-US" dirty="0" err="1"/>
+              <a:t>c.course_id</a:t>
+            </a:r>
+            <a:endParaRPr lang="en-US" dirty="0"/>
+          </a:p>
+          <a:p>
+            <a:pPr marL="0" indent="0" latinLnBrk="1">
+              <a:buNone/>
+            </a:pPr>
+            <a:r>
+              <a:rPr lang="en-US" dirty="0"/>
+              <a:t>JOIN instructors </a:t>
+            </a:r>
+            <a:r>
+              <a:rPr lang="en-US" dirty="0" err="1"/>
+              <a:t>i</a:t>
+            </a:r>
+            <a:r>
+              <a:rPr lang="en-US" dirty="0"/>
+              <a:t> ON </a:t>
+            </a:r>
+            <a:r>
+              <a:rPr lang="en-US" dirty="0" err="1"/>
+              <a:t>c.instructor_id</a:t>
+            </a:r>
+            <a:r>
+              <a:rPr lang="en-US" dirty="0"/>
+              <a:t> = </a:t>
+            </a:r>
+            <a:r>
+              <a:rPr lang="en-US" dirty="0" err="1"/>
+              <a:t>i.instructor_id</a:t>
+            </a:r>
+            <a:endParaRPr lang="en-US" dirty="0"/>
+          </a:p>
+          <a:p>
+            <a:pPr marL="0" indent="0" latinLnBrk="1">
+              <a:buNone/>
+            </a:pPr>
+            <a:r>
+              <a:rPr lang="en-US" dirty="0"/>
+              <a:t>JOIN departments d ON </a:t>
+            </a:r>
+            <a:r>
+              <a:rPr lang="en-US" dirty="0" err="1"/>
+              <a:t>i.dept_id</a:t>
+            </a:r>
+            <a:r>
+              <a:rPr lang="en-US" dirty="0"/>
+              <a:t> = </a:t>
+            </a:r>
+            <a:r>
+              <a:rPr lang="en-US" dirty="0" err="1"/>
+              <a:t>d.dept_id</a:t>
+            </a:r>
+            <a:endParaRPr lang="en-US" dirty="0"/>
+          </a:p>
+          <a:p>
+            <a:pPr marL="0" indent="0" latinLnBrk="1">
+              <a:buNone/>
+            </a:pPr>
+            <a:r>
+              <a:rPr lang="en-US" dirty="0"/>
+              <a:t>)</a:t>
+            </a:r>
+          </a:p>
+          <a:p>
+            <a:pPr marL="0" indent="0">
+              <a:buNone/>
+            </a:pPr>
+            <a:r>
+              <a:rPr lang="en-US" i="1" dirty="0"/>
+              <a:t>-- 4 JOINs needed! 😰</a:t>
+            </a:r>
+            <a:endParaRPr lang="en-US" dirty="0"/>
+          </a:p>
+          <a:p>
+            <a:pPr marL="0" indent="0">
+              <a:buNone/>
+            </a:pPr>
+            <a:endParaRPr lang="en-US" dirty="0"/>
+          </a:p>
+        </p:txBody>
+      </p:sp>
+      <p:sp>
+        <p:nvSpPr>
+          <p:cNvPr id="4" name="TextBox 3">
+            <a:extLst>
+              <a:ext uri="{FF2B5EF4-FFF2-40B4-BE49-F238E27FC236}">
+                <a16:creationId xmlns:a16="http://schemas.microsoft.com/office/drawing/2014/main" id="{B9709222-79BA-5ABD-AEB3-D909F5013094}"/>
+              </a:ext>
+            </a:extLst>
+          </p:cNvPr>
+          <p:cNvSpPr txBox="1"/>
+          <p:nvPr/>
+        </p:nvSpPr>
+        <p:spPr>
+          <a:xfrm>
+            <a:off x="6366555" y="2576147"/>
+            <a:ext cx="3550972" cy="3416320"/>
+          </a:xfrm>
+          <a:prstGeom prst="rect">
+            <a:avLst/>
+          </a:prstGeom>
+          <a:noFill/>
+        </p:spPr>
+        <p:txBody>
+          <a:bodyPr wrap="none" rtlCol="0">
+            <a:spAutoFit/>
+          </a:bodyPr>
+          <a:lstStyle/>
+          <a:p>
+            <a:pPr latinLnBrk="1"/>
+            <a:r>
+              <a:rPr lang="en-US" i="1" dirty="0"/>
+              <a:t>-- Denormalized:</a:t>
+            </a:r>
+            <a:endParaRPr lang="en-US" dirty="0"/>
+          </a:p>
+          <a:p>
+            <a:pPr latinLnBrk="1"/>
+            <a:r>
+              <a:rPr lang="en-US" dirty="0"/>
+              <a:t>SELECT </a:t>
+            </a:r>
+          </a:p>
+          <a:p>
+            <a:pPr latinLnBrk="1"/>
+            <a:r>
+              <a:rPr lang="en-US" dirty="0"/>
+              <a:t>    name,</a:t>
+            </a:r>
+          </a:p>
+          <a:p>
+            <a:pPr latinLnBrk="1"/>
+            <a:r>
+              <a:rPr lang="en-US" dirty="0"/>
+              <a:t>    </a:t>
+            </a:r>
+            <a:r>
+              <a:rPr lang="en-US" dirty="0" err="1"/>
+              <a:t>course_name</a:t>
+            </a:r>
+            <a:r>
+              <a:rPr lang="en-US" dirty="0"/>
+              <a:t>,</a:t>
+            </a:r>
+          </a:p>
+          <a:p>
+            <a:pPr latinLnBrk="1"/>
+            <a:r>
+              <a:rPr lang="en-US" dirty="0"/>
+              <a:t>    </a:t>
+            </a:r>
+            <a:r>
+              <a:rPr lang="en-US" dirty="0" err="1"/>
+              <a:t>instructor_name</a:t>
+            </a:r>
+            <a:r>
+              <a:rPr lang="en-US" dirty="0"/>
+              <a:t>,</a:t>
+            </a:r>
+          </a:p>
+          <a:p>
+            <a:pPr latinLnBrk="1"/>
+            <a:r>
+              <a:rPr lang="en-US" dirty="0"/>
+              <a:t>    </a:t>
+            </a:r>
+            <a:r>
+              <a:rPr lang="en-US" dirty="0" err="1"/>
+              <a:t>dept_name</a:t>
+            </a:r>
+            <a:endParaRPr lang="en-US" dirty="0"/>
+          </a:p>
+          <a:p>
+            <a:pPr latinLnBrk="1"/>
+            <a:r>
+              <a:rPr lang="en-US" dirty="0"/>
+              <a:t>FROM </a:t>
+            </a:r>
+            <a:r>
+              <a:rPr lang="en-US" dirty="0" err="1"/>
+              <a:t>student_course_view</a:t>
+            </a:r>
+            <a:endParaRPr lang="en-US" dirty="0"/>
+          </a:p>
+          <a:p>
+            <a:pPr latinLnBrk="1"/>
+            <a:r>
+              <a:rPr lang="en-US" dirty="0"/>
+              <a:t>WHERE </a:t>
+            </a:r>
+            <a:r>
+              <a:rPr lang="en-US" dirty="0" err="1"/>
+              <a:t>student_id</a:t>
+            </a:r>
+            <a:r>
+              <a:rPr lang="en-US" dirty="0"/>
+              <a:t> = 1;</a:t>
+            </a:r>
+          </a:p>
+          <a:p>
+            <a:pPr latinLnBrk="1"/>
+            <a:endParaRPr lang="en-US" dirty="0"/>
+          </a:p>
+          <a:p>
+            <a:pPr latinLnBrk="1"/>
+            <a:r>
+              <a:rPr lang="en-US" i="1" dirty="0"/>
+              <a:t>-- No JOINs! 🎉</a:t>
+            </a:r>
+            <a:endParaRPr lang="en-US" dirty="0"/>
+          </a:p>
+          <a:p>
+            <a:r>
+              <a:rPr lang="en-US" i="1" dirty="0"/>
+              <a:t>-- But: Data duplication, update complexity</a:t>
+            </a:r>
+            <a:endParaRPr lang="en-US" dirty="0"/>
+          </a:p>
+          <a:p>
+            <a:endParaRPr lang="en-US" dirty="0"/>
+          </a:p>
+        </p:txBody>
+      </p:sp>
+    </p:spTree>
+    <p:extLst>
+      <p:ext uri="{BB962C8B-B14F-4D97-AF65-F5344CB8AC3E}">
+        <p14:creationId xmlns:p14="http://schemas.microsoft.com/office/powerpoint/2010/main" val="3020039874"/>
+      </p:ext>
+    </p:extLst>
+  </p:cSld>
+  <p:clrMapOvr>
+    <a:masterClrMapping/>
+  </p:clrMapOvr>
+</p:sld>
+</file>
+
+<file path=ppt/slides/slide21.xml><?xml version="1.0" encoding="utf-8"?>
+<p:sld xmlns:a="http://schemas.openxmlformats.org/drawingml/2006/main" xmlns:r="http://schemas.openxmlformats.org/officeDocument/2006/relationships" xmlns:p="http://schemas.openxmlformats.org/presentationml/2006/main">
+  <p:cSld>
+    <p:spTree>
+      <p:nvGrpSpPr>
         <p:cNvPr id="1" name=""/>
         <p:cNvGrpSpPr/>
         <p:nvPr/>
@@ -9082,7 +9672,7 @@
 </p:sld>
 </file>
 
-<file path=ppt/slides/slide21.xml><?xml version="1.0" encoding="utf-8"?>
+<file path=ppt/slides/slide22.xml><?xml version="1.0" encoding="utf-8"?>
 <p:sld xmlns:a="http://schemas.openxmlformats.org/drawingml/2006/main" xmlns:r="http://schemas.openxmlformats.org/officeDocument/2006/relationships" xmlns:p="http://schemas.openxmlformats.org/presentationml/2006/main">
   <p:cSld>
     <p:spTree>
@@ -9196,7 +9786,7 @@
 </p:sld>
 </file>
 
-<file path=ppt/slides/slide22.xml><?xml version="1.0" encoding="utf-8"?>
+<file path=ppt/slides/slide23.xml><?xml version="1.0" encoding="utf-8"?>
 <p:sld xmlns:a="http://schemas.openxmlformats.org/drawingml/2006/main" xmlns:r="http://schemas.openxmlformats.org/officeDocument/2006/relationships" xmlns:p="http://schemas.openxmlformats.org/presentationml/2006/main">
   <p:cSld>
     <p:spTree>
@@ -9327,7 +9917,7 @@
 </p:sld>
 </file>
 
-<file path=ppt/slides/slide23.xml><?xml version="1.0" encoding="utf-8"?>
+<file path=ppt/slides/slide24.xml><?xml version="1.0" encoding="utf-8"?>
 <p:sld xmlns:a="http://schemas.openxmlformats.org/drawingml/2006/main" xmlns:r="http://schemas.openxmlformats.org/officeDocument/2006/relationships" xmlns:p="http://schemas.openxmlformats.org/presentationml/2006/main">
   <p:cSld>
     <p:spTree>
@@ -9464,7 +10054,7 @@
 </p:sld>
 </file>
 
-<file path=ppt/slides/slide24.xml><?xml version="1.0" encoding="utf-8"?>
+<file path=ppt/slides/slide25.xml><?xml version="1.0" encoding="utf-8"?>
 <p:sld xmlns:a="http://schemas.openxmlformats.org/drawingml/2006/main" xmlns:r="http://schemas.openxmlformats.org/officeDocument/2006/relationships" xmlns:p="http://schemas.openxmlformats.org/presentationml/2006/main">
   <p:cSld>
     <p:spTree>
@@ -9753,7 +10343,7 @@
 </p:sld>
 </file>
 
-<file path=ppt/slides/slide25.xml><?xml version="1.0" encoding="utf-8"?>
+<file path=ppt/slides/slide26.xml><?xml version="1.0" encoding="utf-8"?>
 <p:sld xmlns:a="http://schemas.openxmlformats.org/drawingml/2006/main" xmlns:r="http://schemas.openxmlformats.org/officeDocument/2006/relationships" xmlns:p="http://schemas.openxmlformats.org/presentationml/2006/main">
   <p:cSld>
     <p:spTree>
@@ -10084,7 +10674,7 @@
 </p:sld>
 </file>
 
-<file path=ppt/slides/slide26.xml><?xml version="1.0" encoding="utf-8"?>
+<file path=ppt/slides/slide27.xml><?xml version="1.0" encoding="utf-8"?>
 <p:sld xmlns:a="http://schemas.openxmlformats.org/drawingml/2006/main" xmlns:r="http://schemas.openxmlformats.org/officeDocument/2006/relationships" xmlns:p="http://schemas.openxmlformats.org/presentationml/2006/main">
   <p:cSld>
     <p:spTree>
@@ -10333,7 +10923,7 @@
 </p:sld>
 </file>
 
-<file path=ppt/slides/slide27.xml><?xml version="1.0" encoding="utf-8"?>
+<file path=ppt/slides/slide28.xml><?xml version="1.0" encoding="utf-8"?>
 <p:sld xmlns:a="http://schemas.openxmlformats.org/drawingml/2006/main" xmlns:r="http://schemas.openxmlformats.org/officeDocument/2006/relationships" xmlns:p="http://schemas.openxmlformats.org/presentationml/2006/main">
   <p:cSld>
     <p:spTree>
@@ -10448,7 +11038,7 @@
 </p:sld>
 </file>
 
-<file path=ppt/slides/slide28.xml><?xml version="1.0" encoding="utf-8"?>
+<file path=ppt/slides/slide29.xml><?xml version="1.0" encoding="utf-8"?>
 <p:sld xmlns:a="http://schemas.openxmlformats.org/drawingml/2006/main" xmlns:r="http://schemas.openxmlformats.org/officeDocument/2006/relationships" xmlns:p="http://schemas.openxmlformats.org/presentationml/2006/main">
   <p:cSld>
     <p:spTree>
@@ -11616,7 +12206,7 @@
         <p:spPr/>
         <p:txBody>
           <a:bodyPr>
-            <a:normAutofit fontScale="92500" lnSpcReduction="10000"/>
+            <a:normAutofit fontScale="92500" lnSpcReduction="20000"/>
           </a:bodyPr>
           <a:lstStyle/>
           <a:p>
@@ -11684,7 +12274,16 @@
             </a:r>
             <a:r>
               <a:rPr lang="en-US" i="1" dirty="0"/>
-              <a:t>-- "CS101, MATH, PHYS101" ← Multiple values!</a:t>
+              <a:t>-- "CS101, MATH, PHYS101" ← Multiple values! </a:t>
+            </a:r>
+          </a:p>
+          <a:p>
+            <a:pPr marL="0" indent="0" latinLnBrk="1">
+              <a:buNone/>
+            </a:pPr>
+            <a:r>
+              <a:rPr lang="en-US" i="1" dirty="0"/>
+              <a:t>Unbounded</a:t>
             </a:r>
             <a:endParaRPr lang="en-US" dirty="0"/>
           </a:p>
